--- a/figures/pipeline.pptx
+++ b/figures/pipeline.pptx
@@ -104,6 +104,11 @@
       </a:defRPr>
     </a:lvl9pPr>
   </p:defaultTextStyle>
+  <p:extLst>
+    <p:ext uri="{EFAFB233-063F-42B5-8137-9DF3F51BA10A}">
+      <p15:sldGuideLst xmlns:p15="http://schemas.microsoft.com/office/powerpoint/2012/main"/>
+    </p:ext>
+  </p:extLst>
 </p:presentation>
 </file>
 
@@ -238,7 +243,7 @@
           <a:p>
             <a:fld id="{B08DC164-4BE8-4848-99AC-8DB0608BD3CD}" type="datetimeFigureOut">
               <a:rPr kumimoji="1" lang="zh-CN" altLang="en-US" smtClean="0"/>
-              <a:t>2023/11/25</a:t>
+              <a:t>2023/11/26</a:t>
             </a:fld>
             <a:endParaRPr kumimoji="1" lang="zh-CN" altLang="en-US"/>
           </a:p>
@@ -408,7 +413,7 @@
           <a:p>
             <a:fld id="{B08DC164-4BE8-4848-99AC-8DB0608BD3CD}" type="datetimeFigureOut">
               <a:rPr kumimoji="1" lang="zh-CN" altLang="en-US" smtClean="0"/>
-              <a:t>2023/11/25</a:t>
+              <a:t>2023/11/26</a:t>
             </a:fld>
             <a:endParaRPr kumimoji="1" lang="zh-CN" altLang="en-US"/>
           </a:p>
@@ -588,7 +593,7 @@
           <a:p>
             <a:fld id="{B08DC164-4BE8-4848-99AC-8DB0608BD3CD}" type="datetimeFigureOut">
               <a:rPr kumimoji="1" lang="zh-CN" altLang="en-US" smtClean="0"/>
-              <a:t>2023/11/25</a:t>
+              <a:t>2023/11/26</a:t>
             </a:fld>
             <a:endParaRPr kumimoji="1" lang="zh-CN" altLang="en-US"/>
           </a:p>
@@ -758,7 +763,7 @@
           <a:p>
             <a:fld id="{B08DC164-4BE8-4848-99AC-8DB0608BD3CD}" type="datetimeFigureOut">
               <a:rPr kumimoji="1" lang="zh-CN" altLang="en-US" smtClean="0"/>
-              <a:t>2023/11/25</a:t>
+              <a:t>2023/11/26</a:t>
             </a:fld>
             <a:endParaRPr kumimoji="1" lang="zh-CN" altLang="en-US"/>
           </a:p>
@@ -1004,7 +1009,7 @@
           <a:p>
             <a:fld id="{B08DC164-4BE8-4848-99AC-8DB0608BD3CD}" type="datetimeFigureOut">
               <a:rPr kumimoji="1" lang="zh-CN" altLang="en-US" smtClean="0"/>
-              <a:t>2023/11/25</a:t>
+              <a:t>2023/11/26</a:t>
             </a:fld>
             <a:endParaRPr kumimoji="1" lang="zh-CN" altLang="en-US"/>
           </a:p>
@@ -1236,7 +1241,7 @@
           <a:p>
             <a:fld id="{B08DC164-4BE8-4848-99AC-8DB0608BD3CD}" type="datetimeFigureOut">
               <a:rPr kumimoji="1" lang="zh-CN" altLang="en-US" smtClean="0"/>
-              <a:t>2023/11/25</a:t>
+              <a:t>2023/11/26</a:t>
             </a:fld>
             <a:endParaRPr kumimoji="1" lang="zh-CN" altLang="en-US"/>
           </a:p>
@@ -1603,7 +1608,7 @@
           <a:p>
             <a:fld id="{B08DC164-4BE8-4848-99AC-8DB0608BD3CD}" type="datetimeFigureOut">
               <a:rPr kumimoji="1" lang="zh-CN" altLang="en-US" smtClean="0"/>
-              <a:t>2023/11/25</a:t>
+              <a:t>2023/11/26</a:t>
             </a:fld>
             <a:endParaRPr kumimoji="1" lang="zh-CN" altLang="en-US"/>
           </a:p>
@@ -1721,7 +1726,7 @@
           <a:p>
             <a:fld id="{B08DC164-4BE8-4848-99AC-8DB0608BD3CD}" type="datetimeFigureOut">
               <a:rPr kumimoji="1" lang="zh-CN" altLang="en-US" smtClean="0"/>
-              <a:t>2023/11/25</a:t>
+              <a:t>2023/11/26</a:t>
             </a:fld>
             <a:endParaRPr kumimoji="1" lang="zh-CN" altLang="en-US"/>
           </a:p>
@@ -1816,7 +1821,7 @@
           <a:p>
             <a:fld id="{B08DC164-4BE8-4848-99AC-8DB0608BD3CD}" type="datetimeFigureOut">
               <a:rPr kumimoji="1" lang="zh-CN" altLang="en-US" smtClean="0"/>
-              <a:t>2023/11/25</a:t>
+              <a:t>2023/11/26</a:t>
             </a:fld>
             <a:endParaRPr kumimoji="1" lang="zh-CN" altLang="en-US"/>
           </a:p>
@@ -2093,7 +2098,7 @@
           <a:p>
             <a:fld id="{B08DC164-4BE8-4848-99AC-8DB0608BD3CD}" type="datetimeFigureOut">
               <a:rPr kumimoji="1" lang="zh-CN" altLang="en-US" smtClean="0"/>
-              <a:t>2023/11/25</a:t>
+              <a:t>2023/11/26</a:t>
             </a:fld>
             <a:endParaRPr kumimoji="1" lang="zh-CN" altLang="en-US"/>
           </a:p>
@@ -2350,7 +2355,7 @@
           <a:p>
             <a:fld id="{B08DC164-4BE8-4848-99AC-8DB0608BD3CD}" type="datetimeFigureOut">
               <a:rPr kumimoji="1" lang="zh-CN" altLang="en-US" smtClean="0"/>
-              <a:t>2023/11/25</a:t>
+              <a:t>2023/11/26</a:t>
             </a:fld>
             <a:endParaRPr kumimoji="1" lang="zh-CN" altLang="en-US"/>
           </a:p>
@@ -2563,7 +2568,7 @@
           <a:p>
             <a:fld id="{B08DC164-4BE8-4848-99AC-8DB0608BD3CD}" type="datetimeFigureOut">
               <a:rPr kumimoji="1" lang="zh-CN" altLang="en-US" smtClean="0"/>
-              <a:t>2023/11/25</a:t>
+              <a:t>2023/11/26</a:t>
             </a:fld>
             <a:endParaRPr kumimoji="1" lang="zh-CN" altLang="en-US"/>
           </a:p>
@@ -3152,185 +3157,6 @@
       </p:sp>
       <p:sp>
         <p:nvSpPr>
-          <p:cNvPr id="9" name="矩形 8">
-            <a:extLst>
-              <a:ext uri="{FF2B5EF4-FFF2-40B4-BE49-F238E27FC236}">
-                <a16:creationId xmlns:a16="http://schemas.microsoft.com/office/drawing/2014/main" id="{E9478E9E-0AAB-A4E2-45C8-206BDF346347}"/>
-              </a:ext>
-            </a:extLst>
-          </p:cNvPr>
-          <p:cNvSpPr/>
-          <p:nvPr/>
-        </p:nvSpPr>
-        <p:spPr>
-          <a:xfrm>
-            <a:off x="3666299" y="3052844"/>
-            <a:ext cx="1126449" cy="1190722"/>
-          </a:xfrm>
-          <a:prstGeom prst="rect">
-            <a:avLst/>
-          </a:prstGeom>
-          <a:ln w="38100"/>
-        </p:spPr>
-        <p:style>
-          <a:lnRef idx="2">
-            <a:schemeClr val="dk1"/>
-          </a:lnRef>
-          <a:fillRef idx="1">
-            <a:schemeClr val="lt1"/>
-          </a:fillRef>
-          <a:effectRef idx="0">
-            <a:schemeClr val="dk1"/>
-          </a:effectRef>
-          <a:fontRef idx="minor">
-            <a:schemeClr val="dk1"/>
-          </a:fontRef>
-        </p:style>
-        <p:txBody>
-          <a:bodyPr rtlCol="0" anchor="ctr"/>
-          <a:lstStyle/>
-          <a:p>
-            <a:pPr algn="ctr"/>
-            <a:r>
-              <a:rPr kumimoji="1" lang="en-US" altLang="zh-CN" sz="1810" dirty="0">
-                <a:ln>
-                  <a:solidFill>
-                    <a:schemeClr val="tx1"/>
-                  </a:solidFill>
-                </a:ln>
-                <a:solidFill>
-                  <a:schemeClr val="tx1"/>
-                </a:solidFill>
-                <a:latin typeface="Arial" panose="020B0604020202020204" pitchFamily="34" charset="0"/>
-                <a:cs typeface="Arial" panose="020B0604020202020204" pitchFamily="34" charset="0"/>
-              </a:rPr>
-              <a:t>R</a:t>
-            </a:r>
-          </a:p>
-          <a:p>
-            <a:pPr algn="ctr"/>
-            <a:r>
-              <a:rPr kumimoji="1" lang="en-US" altLang="zh-CN" sz="1810" dirty="0" err="1">
-                <a:ln>
-                  <a:solidFill>
-                    <a:schemeClr val="tx1"/>
-                  </a:solidFill>
-                </a:ln>
-                <a:solidFill>
-                  <a:schemeClr val="tx1"/>
-                </a:solidFill>
-                <a:latin typeface="Arial" panose="020B0604020202020204" pitchFamily="34" charset="0"/>
-                <a:cs typeface="Arial" panose="020B0604020202020204" pitchFamily="34" charset="0"/>
-              </a:rPr>
-              <a:t>V</a:t>
-            </a:r>
-            <a:r>
-              <a:rPr kumimoji="1" lang="en-US" altLang="zh-CN" sz="1810" baseline="-25000" dirty="0" err="1">
-                <a:ln>
-                  <a:solidFill>
-                    <a:schemeClr val="tx1"/>
-                  </a:solidFill>
-                </a:ln>
-                <a:solidFill>
-                  <a:schemeClr val="tx1"/>
-                </a:solidFill>
-                <a:latin typeface="Arial" panose="020B0604020202020204" pitchFamily="34" charset="0"/>
-                <a:cs typeface="Arial" panose="020B0604020202020204" pitchFamily="34" charset="0"/>
-              </a:rPr>
-              <a:t>a</a:t>
-            </a:r>
-            <a:r>
-              <a:rPr kumimoji="1" lang="en-US" altLang="zh-CN" sz="1810" dirty="0">
-                <a:ln>
-                  <a:solidFill>
-                    <a:schemeClr val="tx1"/>
-                  </a:solidFill>
-                </a:ln>
-                <a:solidFill>
-                  <a:schemeClr val="tx1"/>
-                </a:solidFill>
-                <a:latin typeface="Arial" panose="020B0604020202020204" pitchFamily="34" charset="0"/>
-                <a:cs typeface="Arial" panose="020B0604020202020204" pitchFamily="34" charset="0"/>
-              </a:rPr>
-              <a:t>, </a:t>
-            </a:r>
-            <a:r>
-              <a:rPr kumimoji="1" lang="en-US" altLang="zh-CN" sz="1810" dirty="0" err="1">
-                <a:ln>
-                  <a:solidFill>
-                    <a:schemeClr val="tx1"/>
-                  </a:solidFill>
-                </a:ln>
-                <a:solidFill>
-                  <a:schemeClr val="tx1"/>
-                </a:solidFill>
-                <a:latin typeface="Arial" panose="020B0604020202020204" pitchFamily="34" charset="0"/>
-                <a:cs typeface="Arial" panose="020B0604020202020204" pitchFamily="34" charset="0"/>
-              </a:rPr>
-              <a:t>V</a:t>
-            </a:r>
-            <a:r>
-              <a:rPr kumimoji="1" lang="en-US" altLang="zh-CN" sz="1810" baseline="-25000" dirty="0" err="1">
-                <a:ln>
-                  <a:solidFill>
-                    <a:schemeClr val="tx1"/>
-                  </a:solidFill>
-                </a:ln>
-                <a:solidFill>
-                  <a:schemeClr val="tx1"/>
-                </a:solidFill>
-                <a:latin typeface="Arial" panose="020B0604020202020204" pitchFamily="34" charset="0"/>
-                <a:cs typeface="Arial" panose="020B0604020202020204" pitchFamily="34" charset="0"/>
-              </a:rPr>
-              <a:t>b</a:t>
-            </a:r>
-            <a:endParaRPr kumimoji="1" lang="en-US" altLang="zh-CN" sz="1810" baseline="-25000" dirty="0">
-              <a:ln>
-                <a:solidFill>
-                  <a:schemeClr val="tx1"/>
-                </a:solidFill>
-              </a:ln>
-              <a:solidFill>
-                <a:schemeClr val="tx1"/>
-              </a:solidFill>
-              <a:latin typeface="Arial" panose="020B0604020202020204" pitchFamily="34" charset="0"/>
-              <a:cs typeface="Arial" panose="020B0604020202020204" pitchFamily="34" charset="0"/>
-            </a:endParaRPr>
-          </a:p>
-          <a:p>
-            <a:pPr algn="ctr"/>
-            <a:r>
-              <a:rPr kumimoji="1" lang="en-US" altLang="zh-CN" sz="1810" dirty="0">
-                <a:ln>
-                  <a:solidFill>
-                    <a:schemeClr val="tx1"/>
-                  </a:solidFill>
-                </a:ln>
-                <a:solidFill>
-                  <a:schemeClr val="tx1"/>
-                </a:solidFill>
-                <a:latin typeface="Arial" panose="020B0604020202020204" pitchFamily="34" charset="0"/>
-                <a:cs typeface="Arial" panose="020B0604020202020204" pitchFamily="34" charset="0"/>
-              </a:rPr>
-              <a:t>Delays</a:t>
-            </a:r>
-            <a:endParaRPr kumimoji="1" lang="zh-CN" altLang="en-US" sz="1629" dirty="0">
-              <a:ln>
-                <a:solidFill>
-                  <a:schemeClr val="tx1"/>
-                </a:solidFill>
-              </a:ln>
-              <a:solidFill>
-                <a:schemeClr val="tx1"/>
-              </a:solidFill>
-              <a:latin typeface="Arial" panose="020B0604020202020204" pitchFamily="34" charset="0"/>
-              <a:cs typeface="Arial" panose="020B0604020202020204" pitchFamily="34" charset="0"/>
-            </a:endParaRPr>
-          </a:p>
-        </p:txBody>
-      </p:sp>
-      <p:sp>
-        <p:nvSpPr>
           <p:cNvPr id="10" name="矩形 9">
             <a:extLst>
               <a:ext uri="{FF2B5EF4-FFF2-40B4-BE49-F238E27FC236}">
@@ -4144,15 +3970,15 @@
           </p:cNvPr>
           <p:cNvCxnSpPr>
             <a:cxnSpLocks/>
-            <a:stCxn id="9" idx="3"/>
+            <a:stCxn id="3" idx="3"/>
             <a:endCxn id="1069" idx="1"/>
           </p:cNvCxnSpPr>
           <p:nvPr/>
         </p:nvCxnSpPr>
         <p:spPr>
           <a:xfrm>
-            <a:off x="4792747" y="3648205"/>
-            <a:ext cx="486794" cy="0"/>
+            <a:off x="4650642" y="3647600"/>
+            <a:ext cx="594328" cy="606"/>
           </a:xfrm>
           <a:prstGeom prst="straightConnector1">
             <a:avLst/>
@@ -4283,9 +4109,9 @@
           <p:nvPr/>
         </p:nvCxnSpPr>
         <p:spPr>
-          <a:xfrm flipV="1">
-            <a:off x="7244096" y="3647599"/>
-            <a:ext cx="414072" cy="607"/>
+          <a:xfrm>
+            <a:off x="7209001" y="3648206"/>
+            <a:ext cx="463987" cy="1"/>
           </a:xfrm>
           <a:prstGeom prst="straightConnector1">
             <a:avLst/>
@@ -4326,7 +4152,7 @@
         </p:nvSpPr>
         <p:spPr>
           <a:xfrm>
-            <a:off x="5664023" y="4214305"/>
+            <a:off x="5629451" y="4214306"/>
             <a:ext cx="1195071" cy="369332"/>
           </a:xfrm>
           <a:prstGeom prst="rect">
@@ -4370,7 +4196,7 @@
         </p:blipFill>
         <p:spPr>
           <a:xfrm>
-            <a:off x="5279542" y="3006547"/>
+            <a:off x="5244970" y="3006548"/>
             <a:ext cx="1964031" cy="1283316"/>
           </a:xfrm>
           <a:prstGeom prst="rect">
@@ -4410,6 +4236,72 @@
             <a:r>
               <a:rPr kumimoji="1" lang="en-US" altLang="zh-CN" b="1" dirty="0"/>
               <a:t>Deblurred patches</a:t>
+            </a:r>
+            <a:endParaRPr kumimoji="1" lang="zh-CN" altLang="en-US" b="1" dirty="0"/>
+          </a:p>
+        </p:txBody>
+      </p:sp>
+      <p:pic>
+        <p:nvPicPr>
+          <p:cNvPr id="3" name="图片 2">
+            <a:extLst>
+              <a:ext uri="{FF2B5EF4-FFF2-40B4-BE49-F238E27FC236}">
+                <a16:creationId xmlns:a16="http://schemas.microsoft.com/office/drawing/2014/main" id="{77D76647-94F8-8F59-D7AF-EB2E1C013057}"/>
+              </a:ext>
+            </a:extLst>
+          </p:cNvPr>
+          <p:cNvPicPr>
+            <a:picLocks noChangeAspect="1"/>
+          </p:cNvPicPr>
+          <p:nvPr/>
+        </p:nvPicPr>
+        <p:blipFill rotWithShape="1">
+          <a:blip r:embed="rId9"/>
+          <a:srcRect t="6769"/>
+          <a:stretch/>
+        </p:blipFill>
+        <p:spPr>
+          <a:xfrm>
+            <a:off x="3128397" y="2895844"/>
+            <a:ext cx="1522245" cy="1503511"/>
+          </a:xfrm>
+          <a:prstGeom prst="rect">
+            <a:avLst/>
+          </a:prstGeom>
+        </p:spPr>
+      </p:pic>
+      <p:sp>
+        <p:nvSpPr>
+          <p:cNvPr id="22" name="文本框 21">
+            <a:extLst>
+              <a:ext uri="{FF2B5EF4-FFF2-40B4-BE49-F238E27FC236}">
+                <a16:creationId xmlns:a16="http://schemas.microsoft.com/office/drawing/2014/main" id="{3627B2E8-1876-A71D-7D68-9A61703F19D8}"/>
+              </a:ext>
+            </a:extLst>
+          </p:cNvPr>
+          <p:cNvSpPr txBox="1"/>
+          <p:nvPr/>
+        </p:nvSpPr>
+        <p:spPr>
+          <a:xfrm>
+            <a:off x="3022781" y="4350852"/>
+            <a:ext cx="1697902" cy="369332"/>
+          </a:xfrm>
+          <a:prstGeom prst="rect">
+            <a:avLst/>
+          </a:prstGeom>
+          <a:noFill/>
+        </p:spPr>
+        <p:txBody>
+          <a:bodyPr wrap="none" rtlCol="0">
+            <a:spAutoFit/>
+          </a:bodyPr>
+          <a:lstStyle/>
+          <a:p>
+            <a:pPr algn="ctr"/>
+            <a:r>
+              <a:rPr kumimoji="1" lang="en-US" altLang="zh-CN" b="1" dirty="0"/>
+              <a:t>Single-body SoS</a:t>
             </a:r>
             <a:endParaRPr kumimoji="1" lang="zh-CN" altLang="en-US" b="1" dirty="0"/>
           </a:p>
